--- a/Slice.pptx
+++ b/Slice.pptx
@@ -2971,8 +2971,8 @@
           <p:nvPr/>
         </p:nvSpPr>
         <p:spPr>
-          <a:xfrm>
-            <a:off x="3114548" y="1052065"/>
+          <a:xfrm rot="2623245">
+            <a:off x="2097785" y="2959426"/>
             <a:ext cx="1804924" cy="1069343"/>
           </a:xfrm>
           <a:prstGeom prst="rightArrow">
@@ -3023,8 +3023,8 @@
           <p:nvPr/>
         </p:nvSpPr>
         <p:spPr>
-          <a:xfrm>
-            <a:off x="7259320" y="1052065"/>
+          <a:xfrm rot="19728497">
+            <a:off x="4975352" y="3519707"/>
             <a:ext cx="1892808" cy="987047"/>
           </a:xfrm>
           <a:prstGeom prst="rightArrow">
@@ -3104,6 +3104,18 @@
           <a:p>
             <a:pPr algn="ctr"/>
             <a:r>
+              <a:rPr lang="es-ES" dirty="0" smtClean="0"/>
+              <a:t>Cross </a:t>
+            </a:r>
+            <a:r>
+              <a:rPr lang="es-ES" dirty="0" err="1" smtClean="0"/>
+              <a:t>Validation</a:t>
+            </a:r>
+            <a:r>
+              <a:rPr lang="es-ES" dirty="0" smtClean="0"/>
+              <a:t> &amp; </a:t>
+            </a:r>
+            <a:r>
               <a:rPr lang="es-ES" dirty="0" err="1" smtClean="0"/>
               <a:t>Finding</a:t>
             </a:r>
@@ -3178,9 +3190,9 @@
           <p:nvPr/>
         </p:nvSpPr>
         <p:spPr>
-          <a:xfrm>
-            <a:off x="8923528" y="2603330"/>
-            <a:ext cx="2962656" cy="2066291"/>
+          <a:xfrm rot="19393113">
+            <a:off x="8430581" y="3020226"/>
+            <a:ext cx="2572849" cy="1810513"/>
           </a:xfrm>
           <a:prstGeom prst="downArrow">
             <a:avLst/>
@@ -3206,6 +3218,7 @@
           <a:bodyPr rtlCol="0" anchor="ctr"/>
           <a:lstStyle/>
           <a:p>
+            <a:pPr algn="ctr"/>
             <a:r>
               <a:rPr lang="es-ES" dirty="0" err="1"/>
               <a:t>GridSearchCV</a:t>
@@ -3493,7 +3506,7 @@
         </p:nvSpPr>
         <p:spPr>
           <a:xfrm>
-            <a:off x="5012436" y="790108"/>
+            <a:off x="2534412" y="4356268"/>
             <a:ext cx="2153920" cy="1876725"/>
           </a:xfrm>
           <a:prstGeom prst="roundRect">
@@ -3760,7 +3773,7 @@
         </p:nvSpPr>
         <p:spPr>
           <a:xfrm>
-            <a:off x="9187180" y="607225"/>
+            <a:off x="6434836" y="1393609"/>
             <a:ext cx="2549144" cy="1876725"/>
           </a:xfrm>
           <a:prstGeom prst="roundRect">
